--- a/docs/栽培管理アプリ.pptx
+++ b/docs/栽培管理アプリ.pptx
@@ -7,11 +7,13 @@
   <p:sldIdLst>
     <p:sldId id="256" r:id="rId2"/>
     <p:sldId id="257" r:id="rId3"/>
-    <p:sldId id="258" r:id="rId4"/>
-    <p:sldId id="260" r:id="rId5"/>
-    <p:sldId id="259" r:id="rId6"/>
-    <p:sldId id="261" r:id="rId7"/>
-    <p:sldId id="263" r:id="rId8"/>
+    <p:sldId id="264" r:id="rId4"/>
+    <p:sldId id="258" r:id="rId5"/>
+    <p:sldId id="260" r:id="rId6"/>
+    <p:sldId id="259" r:id="rId7"/>
+    <p:sldId id="261" r:id="rId8"/>
+    <p:sldId id="263" r:id="rId9"/>
+    <p:sldId id="265" r:id="rId10"/>
   </p:sldIdLst>
   <p:sldSz cx="12192000" cy="6858000"/>
   <p:notesSz cx="6858000" cy="9144000"/>
@@ -4015,6 +4017,689 @@
           <a:chExt cx="0" cy="0"/>
         </a:xfrm>
       </p:grpSpPr>
+      <p:grpSp>
+        <p:nvGrpSpPr>
+          <p:cNvPr id="7" name="グループ化 6">
+            <a:extLst>
+              <a:ext uri="{FF2B5EF4-FFF2-40B4-BE49-F238E27FC236}">
+                <a16:creationId xmlns:a16="http://schemas.microsoft.com/office/drawing/2014/main" id="{9CC81019-CB19-04D6-8546-1497ADD3509D}"/>
+              </a:ext>
+            </a:extLst>
+          </p:cNvPr>
+          <p:cNvGrpSpPr/>
+          <p:nvPr/>
+        </p:nvGrpSpPr>
+        <p:grpSpPr>
+          <a:xfrm>
+            <a:off x="1850571" y="1262743"/>
+            <a:ext cx="3603172" cy="3298371"/>
+            <a:chOff x="1741714" y="1251857"/>
+            <a:chExt cx="3603172" cy="4278086"/>
+          </a:xfrm>
+        </p:grpSpPr>
+        <p:sp>
+          <p:nvSpPr>
+            <p:cNvPr id="4" name="四角形: 角を丸くする 3">
+              <a:extLst>
+                <a:ext uri="{FF2B5EF4-FFF2-40B4-BE49-F238E27FC236}">
+                  <a16:creationId xmlns:a16="http://schemas.microsoft.com/office/drawing/2014/main" id="{C47F88A9-AE06-F1A6-4EA5-6CC14ABBE98E}"/>
+                </a:ext>
+              </a:extLst>
+            </p:cNvPr>
+            <p:cNvSpPr/>
+            <p:nvPr/>
+          </p:nvSpPr>
+          <p:spPr>
+            <a:xfrm>
+              <a:off x="1741714" y="1491343"/>
+              <a:ext cx="3603172" cy="4038600"/>
+            </a:xfrm>
+            <a:prstGeom prst="roundRect">
+              <a:avLst/>
+            </a:prstGeom>
+            <a:solidFill>
+              <a:schemeClr val="bg1"/>
+            </a:solidFill>
+          </p:spPr>
+          <p:style>
+            <a:lnRef idx="2">
+              <a:schemeClr val="accent1">
+                <a:shade val="15000"/>
+              </a:schemeClr>
+            </a:lnRef>
+            <a:fillRef idx="1">
+              <a:schemeClr val="accent1"/>
+            </a:fillRef>
+            <a:effectRef idx="0">
+              <a:schemeClr val="accent1"/>
+            </a:effectRef>
+            <a:fontRef idx="minor">
+              <a:schemeClr val="lt1"/>
+            </a:fontRef>
+          </p:style>
+          <p:txBody>
+            <a:bodyPr rtlCol="0" anchor="ctr"/>
+            <a:lstStyle/>
+            <a:p>
+              <a:endParaRPr kumimoji="1" lang="en-US" altLang="ja-JP" sz="2800" dirty="0">
+                <a:solidFill>
+                  <a:schemeClr val="tx1"/>
+                </a:solidFill>
+              </a:endParaRPr>
+            </a:p>
+            <a:p>
+              <a:endParaRPr kumimoji="1" lang="en-US" altLang="ja-JP" sz="2800" dirty="0">
+                <a:solidFill>
+                  <a:schemeClr val="tx1"/>
+                </a:solidFill>
+              </a:endParaRPr>
+            </a:p>
+            <a:p>
+              <a:r>
+                <a:rPr kumimoji="1" lang="ja-JP" altLang="en-US" sz="2800" dirty="0">
+                  <a:solidFill>
+                    <a:schemeClr val="tx1"/>
+                  </a:solidFill>
+                </a:rPr>
+                <a:t>・</a:t>
+              </a:r>
+              <a:r>
+                <a:rPr kumimoji="1" lang="en-US" altLang="ja-JP" sz="2800" dirty="0">
+                  <a:solidFill>
+                    <a:schemeClr val="tx1"/>
+                  </a:solidFill>
+                </a:rPr>
+                <a:t>React</a:t>
+              </a:r>
+            </a:p>
+            <a:p>
+              <a:r>
+                <a:rPr kumimoji="1" lang="en-US" altLang="ja-JP" sz="2800" dirty="0">
+                  <a:solidFill>
+                    <a:schemeClr val="tx1"/>
+                  </a:solidFill>
+                </a:rPr>
+                <a:t>    (</a:t>
+              </a:r>
+              <a:r>
+                <a:rPr kumimoji="1" lang="en-US" altLang="ja-JP" sz="2800" dirty="0" err="1">
+                  <a:solidFill>
+                    <a:schemeClr val="tx1"/>
+                  </a:solidFill>
+                </a:rPr>
+                <a:t>Javascript</a:t>
+              </a:r>
+              <a:r>
+                <a:rPr kumimoji="1" lang="en-US" altLang="ja-JP" sz="2800" dirty="0">
+                  <a:solidFill>
+                    <a:schemeClr val="tx1"/>
+                  </a:solidFill>
+                </a:rPr>
+                <a:t>)</a:t>
+              </a:r>
+            </a:p>
+            <a:p>
+              <a:endParaRPr lang="en-US" altLang="ja-JP" sz="2800" dirty="0">
+                <a:solidFill>
+                  <a:schemeClr val="tx1"/>
+                </a:solidFill>
+              </a:endParaRPr>
+            </a:p>
+            <a:p>
+              <a:endParaRPr kumimoji="1" lang="en-US" altLang="ja-JP" sz="2800" dirty="0">
+                <a:solidFill>
+                  <a:schemeClr val="tx1"/>
+                </a:solidFill>
+              </a:endParaRPr>
+            </a:p>
+            <a:p>
+              <a:endParaRPr lang="en-US" altLang="ja-JP" sz="2800" dirty="0">
+                <a:solidFill>
+                  <a:schemeClr val="tx1"/>
+                </a:solidFill>
+              </a:endParaRPr>
+            </a:p>
+            <a:p>
+              <a:endParaRPr kumimoji="1" lang="en-US" altLang="ja-JP" sz="2800" dirty="0">
+                <a:solidFill>
+                  <a:schemeClr val="tx1"/>
+                </a:solidFill>
+              </a:endParaRPr>
+            </a:p>
+            <a:p>
+              <a:endParaRPr kumimoji="1" lang="ja-JP" altLang="en-US" sz="2800" dirty="0">
+                <a:solidFill>
+                  <a:schemeClr val="tx1"/>
+                </a:solidFill>
+              </a:endParaRPr>
+            </a:p>
+          </p:txBody>
+        </p:sp>
+        <p:sp>
+          <p:nvSpPr>
+            <p:cNvPr id="6" name="四角形: 角を丸くする 5">
+              <a:extLst>
+                <a:ext uri="{FF2B5EF4-FFF2-40B4-BE49-F238E27FC236}">
+                  <a16:creationId xmlns:a16="http://schemas.microsoft.com/office/drawing/2014/main" id="{DE18DB06-5CA8-B3B6-837F-E8186FBCD398}"/>
+                </a:ext>
+              </a:extLst>
+            </p:cNvPr>
+            <p:cNvSpPr/>
+            <p:nvPr/>
+          </p:nvSpPr>
+          <p:spPr>
+            <a:xfrm>
+              <a:off x="1986642" y="1251857"/>
+              <a:ext cx="3113315" cy="609600"/>
+            </a:xfrm>
+            <a:prstGeom prst="roundRect">
+              <a:avLst/>
+            </a:prstGeom>
+            <a:solidFill>
+              <a:schemeClr val="bg1"/>
+            </a:solidFill>
+          </p:spPr>
+          <p:style>
+            <a:lnRef idx="2">
+              <a:schemeClr val="accent1">
+                <a:shade val="15000"/>
+              </a:schemeClr>
+            </a:lnRef>
+            <a:fillRef idx="1">
+              <a:schemeClr val="accent1"/>
+            </a:fillRef>
+            <a:effectRef idx="0">
+              <a:schemeClr val="accent1"/>
+            </a:effectRef>
+            <a:fontRef idx="minor">
+              <a:schemeClr val="lt1"/>
+            </a:fontRef>
+          </p:style>
+          <p:txBody>
+            <a:bodyPr rtlCol="0" anchor="ctr"/>
+            <a:lstStyle/>
+            <a:p>
+              <a:pPr algn="ctr"/>
+              <a:r>
+                <a:rPr kumimoji="1" lang="ja-JP" altLang="en-US" sz="2400" dirty="0">
+                  <a:solidFill>
+                    <a:schemeClr val="tx1"/>
+                  </a:solidFill>
+                </a:rPr>
+                <a:t>フロントエンド</a:t>
+              </a:r>
+            </a:p>
+          </p:txBody>
+        </p:sp>
+      </p:grpSp>
+      <p:grpSp>
+        <p:nvGrpSpPr>
+          <p:cNvPr id="8" name="グループ化 7">
+            <a:extLst>
+              <a:ext uri="{FF2B5EF4-FFF2-40B4-BE49-F238E27FC236}">
+                <a16:creationId xmlns:a16="http://schemas.microsoft.com/office/drawing/2014/main" id="{30F339B1-7F2C-8E7E-EEEC-93F2CA866629}"/>
+              </a:ext>
+            </a:extLst>
+          </p:cNvPr>
+          <p:cNvGrpSpPr/>
+          <p:nvPr/>
+        </p:nvGrpSpPr>
+        <p:grpSpPr>
+          <a:xfrm>
+            <a:off x="6983188" y="1262743"/>
+            <a:ext cx="3603172" cy="3298371"/>
+            <a:chOff x="1741714" y="1262743"/>
+            <a:chExt cx="3603172" cy="4267200"/>
+          </a:xfrm>
+        </p:grpSpPr>
+        <p:sp>
+          <p:nvSpPr>
+            <p:cNvPr id="9" name="四角形: 角を丸くする 8">
+              <a:extLst>
+                <a:ext uri="{FF2B5EF4-FFF2-40B4-BE49-F238E27FC236}">
+                  <a16:creationId xmlns:a16="http://schemas.microsoft.com/office/drawing/2014/main" id="{415B67F2-1F47-C78C-8AC9-959701733B8E}"/>
+                </a:ext>
+              </a:extLst>
+            </p:cNvPr>
+            <p:cNvSpPr/>
+            <p:nvPr/>
+          </p:nvSpPr>
+          <p:spPr>
+            <a:xfrm>
+              <a:off x="1741714" y="1491343"/>
+              <a:ext cx="3603172" cy="4038600"/>
+            </a:xfrm>
+            <a:prstGeom prst="roundRect">
+              <a:avLst/>
+            </a:prstGeom>
+            <a:solidFill>
+              <a:schemeClr val="bg1"/>
+            </a:solidFill>
+          </p:spPr>
+          <p:style>
+            <a:lnRef idx="2">
+              <a:schemeClr val="accent1">
+                <a:shade val="15000"/>
+              </a:schemeClr>
+            </a:lnRef>
+            <a:fillRef idx="1">
+              <a:schemeClr val="accent1"/>
+            </a:fillRef>
+            <a:effectRef idx="0">
+              <a:schemeClr val="accent1"/>
+            </a:effectRef>
+            <a:fontRef idx="minor">
+              <a:schemeClr val="lt1"/>
+            </a:fontRef>
+          </p:style>
+          <p:txBody>
+            <a:bodyPr rtlCol="0" anchor="ctr"/>
+            <a:lstStyle/>
+            <a:p>
+              <a:endParaRPr kumimoji="1" lang="en-US" altLang="ja-JP" sz="2800" dirty="0">
+                <a:solidFill>
+                  <a:schemeClr val="tx1"/>
+                </a:solidFill>
+              </a:endParaRPr>
+            </a:p>
+            <a:p>
+              <a:r>
+                <a:rPr kumimoji="1" lang="ja-JP" altLang="en-US" sz="2800" dirty="0">
+                  <a:solidFill>
+                    <a:schemeClr val="tx1"/>
+                  </a:solidFill>
+                </a:rPr>
+                <a:t>・</a:t>
+              </a:r>
+              <a:r>
+                <a:rPr kumimoji="1" lang="en-US" altLang="ja-JP" sz="2800" dirty="0" err="1">
+                  <a:solidFill>
+                    <a:schemeClr val="tx1"/>
+                  </a:solidFill>
+                </a:rPr>
+                <a:t>FastAPI</a:t>
+              </a:r>
+              <a:r>
+                <a:rPr kumimoji="1" lang="en-US" altLang="ja-JP" sz="2800" dirty="0">
+                  <a:solidFill>
+                    <a:schemeClr val="tx1"/>
+                  </a:solidFill>
+                </a:rPr>
+                <a:t>(python)</a:t>
+              </a:r>
+            </a:p>
+            <a:p>
+              <a:r>
+                <a:rPr kumimoji="1" lang="ja-JP" altLang="en-US" sz="2800" dirty="0">
+                  <a:solidFill>
+                    <a:schemeClr val="tx1"/>
+                  </a:solidFill>
+                </a:rPr>
+                <a:t>・</a:t>
+              </a:r>
+              <a:r>
+                <a:rPr kumimoji="1" lang="en-US" altLang="ja-JP" sz="2800" dirty="0">
+                  <a:solidFill>
+                    <a:schemeClr val="tx1"/>
+                  </a:solidFill>
+                </a:rPr>
+                <a:t>MySQL</a:t>
+              </a:r>
+            </a:p>
+            <a:p>
+              <a:pPr algn="ctr"/>
+              <a:endParaRPr lang="en-US" altLang="ja-JP" sz="2800" dirty="0">
+                <a:solidFill>
+                  <a:schemeClr val="tx1"/>
+                </a:solidFill>
+              </a:endParaRPr>
+            </a:p>
+            <a:p>
+              <a:pPr algn="ctr"/>
+              <a:endParaRPr kumimoji="1" lang="en-US" altLang="ja-JP" sz="2800" dirty="0">
+                <a:solidFill>
+                  <a:schemeClr val="tx1"/>
+                </a:solidFill>
+              </a:endParaRPr>
+            </a:p>
+            <a:p>
+              <a:pPr algn="ctr"/>
+              <a:endParaRPr lang="en-US" altLang="ja-JP" sz="2800" dirty="0">
+                <a:solidFill>
+                  <a:schemeClr val="tx1"/>
+                </a:solidFill>
+              </a:endParaRPr>
+            </a:p>
+            <a:p>
+              <a:pPr algn="ctr"/>
+              <a:endParaRPr kumimoji="1" lang="ja-JP" altLang="en-US" sz="2800" dirty="0">
+                <a:solidFill>
+                  <a:schemeClr val="tx1"/>
+                </a:solidFill>
+              </a:endParaRPr>
+            </a:p>
+          </p:txBody>
+        </p:sp>
+        <p:sp>
+          <p:nvSpPr>
+            <p:cNvPr id="10" name="四角形: 角を丸くする 9">
+              <a:extLst>
+                <a:ext uri="{FF2B5EF4-FFF2-40B4-BE49-F238E27FC236}">
+                  <a16:creationId xmlns:a16="http://schemas.microsoft.com/office/drawing/2014/main" id="{4C0CE44C-6D80-454D-118F-B12F3DCFD52B}"/>
+                </a:ext>
+              </a:extLst>
+            </p:cNvPr>
+            <p:cNvSpPr/>
+            <p:nvPr/>
+          </p:nvSpPr>
+          <p:spPr>
+            <a:xfrm>
+              <a:off x="1986643" y="1262743"/>
+              <a:ext cx="3113315" cy="609600"/>
+            </a:xfrm>
+            <a:prstGeom prst="roundRect">
+              <a:avLst/>
+            </a:prstGeom>
+            <a:solidFill>
+              <a:schemeClr val="bg1"/>
+            </a:solidFill>
+          </p:spPr>
+          <p:style>
+            <a:lnRef idx="2">
+              <a:schemeClr val="accent1">
+                <a:shade val="15000"/>
+              </a:schemeClr>
+            </a:lnRef>
+            <a:fillRef idx="1">
+              <a:schemeClr val="accent1"/>
+            </a:fillRef>
+            <a:effectRef idx="0">
+              <a:schemeClr val="accent1"/>
+            </a:effectRef>
+            <a:fontRef idx="minor">
+              <a:schemeClr val="lt1"/>
+            </a:fontRef>
+          </p:style>
+          <p:txBody>
+            <a:bodyPr rtlCol="0" anchor="ctr"/>
+            <a:lstStyle/>
+            <a:p>
+              <a:pPr algn="ctr"/>
+              <a:r>
+                <a:rPr kumimoji="1" lang="ja-JP" altLang="en-US" sz="2400" dirty="0">
+                  <a:solidFill>
+                    <a:schemeClr val="tx1"/>
+                  </a:solidFill>
+                </a:rPr>
+                <a:t>バックエンド</a:t>
+              </a:r>
+            </a:p>
+          </p:txBody>
+        </p:sp>
+      </p:grpSp>
+      <p:sp>
+        <p:nvSpPr>
+          <p:cNvPr id="11" name="矢印: 右 10">
+            <a:extLst>
+              <a:ext uri="{FF2B5EF4-FFF2-40B4-BE49-F238E27FC236}">
+                <a16:creationId xmlns:a16="http://schemas.microsoft.com/office/drawing/2014/main" id="{B634E38A-93D3-5D29-EC0D-5C6DCBCDC41E}"/>
+              </a:ext>
+            </a:extLst>
+          </p:cNvPr>
+          <p:cNvSpPr/>
+          <p:nvPr/>
+        </p:nvSpPr>
+        <p:spPr>
+          <a:xfrm>
+            <a:off x="5342166" y="2093589"/>
+            <a:ext cx="1752599" cy="268611"/>
+          </a:xfrm>
+          <a:prstGeom prst="rightArrow">
+            <a:avLst/>
+          </a:prstGeom>
+        </p:spPr>
+        <p:style>
+          <a:lnRef idx="2">
+            <a:schemeClr val="accent1">
+              <a:shade val="15000"/>
+            </a:schemeClr>
+          </a:lnRef>
+          <a:fillRef idx="1">
+            <a:schemeClr val="accent1"/>
+          </a:fillRef>
+          <a:effectRef idx="0">
+            <a:schemeClr val="accent1"/>
+          </a:effectRef>
+          <a:fontRef idx="minor">
+            <a:schemeClr val="lt1"/>
+          </a:fontRef>
+        </p:style>
+        <p:txBody>
+          <a:bodyPr rtlCol="0" anchor="ctr"/>
+          <a:lstStyle/>
+          <a:p>
+            <a:pPr algn="ctr"/>
+            <a:endParaRPr kumimoji="1" lang="ja-JP" altLang="en-US"/>
+          </a:p>
+        </p:txBody>
+      </p:sp>
+      <p:pic>
+        <p:nvPicPr>
+          <p:cNvPr id="1026" name="Picture 2" descr="React full logo transparent PNG - StickPNG">
+            <a:extLst>
+              <a:ext uri="{FF2B5EF4-FFF2-40B4-BE49-F238E27FC236}">
+                <a16:creationId xmlns:a16="http://schemas.microsoft.com/office/drawing/2014/main" id="{D318687D-E461-82E8-0385-B532753386A7}"/>
+              </a:ext>
+            </a:extLst>
+          </p:cNvPr>
+          <p:cNvPicPr>
+            <a:picLocks noChangeAspect="1" noChangeArrowheads="1"/>
+          </p:cNvPicPr>
+          <p:nvPr/>
+        </p:nvPicPr>
+        <p:blipFill>
+          <a:blip r:embed="rId2">
+            <a:extLst>
+              <a:ext uri="{28A0092B-C50C-407E-A947-70E740481C1C}">
+                <a14:useLocalDpi xmlns:a14="http://schemas.microsoft.com/office/drawing/2010/main" val="0"/>
+              </a:ext>
+            </a:extLst>
+          </a:blip>
+          <a:srcRect/>
+          <a:stretch>
+            <a:fillRect/>
+          </a:stretch>
+        </p:blipFill>
+        <p:spPr bwMode="auto">
+          <a:xfrm>
+            <a:off x="2971798" y="3000277"/>
+            <a:ext cx="1360716" cy="1360716"/>
+          </a:xfrm>
+          <a:prstGeom prst="rect">
+            <a:avLst/>
+          </a:prstGeom>
+          <a:noFill/>
+          <a:extLst>
+            <a:ext uri="{909E8E84-426E-40DD-AFC4-6F175D3DCCD1}">
+              <a14:hiddenFill xmlns:a14="http://schemas.microsoft.com/office/drawing/2010/main">
+                <a:solidFill>
+                  <a:srgbClr val="FFFFFF"/>
+                </a:solidFill>
+              </a14:hiddenFill>
+            </a:ext>
+          </a:extLst>
+        </p:spPr>
+      </p:pic>
+      <p:pic>
+        <p:nvPicPr>
+          <p:cNvPr id="1028" name="Picture 4">
+            <a:extLst>
+              <a:ext uri="{FF2B5EF4-FFF2-40B4-BE49-F238E27FC236}">
+                <a16:creationId xmlns:a16="http://schemas.microsoft.com/office/drawing/2014/main" id="{9B38DD02-7CB0-AFF5-A222-57AA55A79196}"/>
+              </a:ext>
+            </a:extLst>
+          </p:cNvPr>
+          <p:cNvPicPr>
+            <a:picLocks noChangeAspect="1" noChangeArrowheads="1"/>
+          </p:cNvPicPr>
+          <p:nvPr/>
+        </p:nvPicPr>
+        <p:blipFill>
+          <a:blip r:embed="rId3">
+            <a:extLst>
+              <a:ext uri="{28A0092B-C50C-407E-A947-70E740481C1C}">
+                <a14:useLocalDpi xmlns:a14="http://schemas.microsoft.com/office/drawing/2010/main" val="0"/>
+              </a:ext>
+            </a:extLst>
+          </a:blip>
+          <a:srcRect/>
+          <a:stretch>
+            <a:fillRect/>
+          </a:stretch>
+        </p:blipFill>
+        <p:spPr bwMode="auto">
+          <a:xfrm>
+            <a:off x="7277098" y="3206752"/>
+            <a:ext cx="1861462" cy="343450"/>
+          </a:xfrm>
+          <a:prstGeom prst="rect">
+            <a:avLst/>
+          </a:prstGeom>
+          <a:noFill/>
+          <a:extLst>
+            <a:ext uri="{909E8E84-426E-40DD-AFC4-6F175D3DCCD1}">
+              <a14:hiddenFill xmlns:a14="http://schemas.microsoft.com/office/drawing/2010/main">
+                <a:solidFill>
+                  <a:srgbClr val="FFFFFF"/>
+                </a:solidFill>
+              </a14:hiddenFill>
+            </a:ext>
+          </a:extLst>
+        </p:spPr>
+      </p:pic>
+      <p:pic>
+        <p:nvPicPr>
+          <p:cNvPr id="1030" name="Picture 6" descr="MySQL logo PNG transparent image download, size: 1280x1280px">
+            <a:extLst>
+              <a:ext uri="{FF2B5EF4-FFF2-40B4-BE49-F238E27FC236}">
+                <a16:creationId xmlns:a16="http://schemas.microsoft.com/office/drawing/2014/main" id="{02CFFE55-14BB-E099-71C6-04707A93624A}"/>
+              </a:ext>
+            </a:extLst>
+          </p:cNvPr>
+          <p:cNvPicPr>
+            <a:picLocks noChangeAspect="1" noChangeArrowheads="1"/>
+          </p:cNvPicPr>
+          <p:nvPr/>
+        </p:nvPicPr>
+        <p:blipFill>
+          <a:blip r:embed="rId4">
+            <a:extLst>
+              <a:ext uri="{28A0092B-C50C-407E-A947-70E740481C1C}">
+                <a14:useLocalDpi xmlns:a14="http://schemas.microsoft.com/office/drawing/2010/main" val="0"/>
+              </a:ext>
+            </a:extLst>
+          </a:blip>
+          <a:srcRect/>
+          <a:stretch>
+            <a:fillRect/>
+          </a:stretch>
+        </p:blipFill>
+        <p:spPr bwMode="auto">
+          <a:xfrm>
+            <a:off x="9138560" y="3206752"/>
+            <a:ext cx="1077686" cy="1077686"/>
+          </a:xfrm>
+          <a:prstGeom prst="rect">
+            <a:avLst/>
+          </a:prstGeom>
+          <a:noFill/>
+          <a:extLst>
+            <a:ext uri="{909E8E84-426E-40DD-AFC4-6F175D3DCCD1}">
+              <a14:hiddenFill xmlns:a14="http://schemas.microsoft.com/office/drawing/2010/main">
+                <a:solidFill>
+                  <a:srgbClr val="FFFFFF"/>
+                </a:solidFill>
+              </a14:hiddenFill>
+            </a:ext>
+          </a:extLst>
+        </p:spPr>
+      </p:pic>
+      <p:sp>
+        <p:nvSpPr>
+          <p:cNvPr id="13" name="矢印: 右 12">
+            <a:extLst>
+              <a:ext uri="{FF2B5EF4-FFF2-40B4-BE49-F238E27FC236}">
+                <a16:creationId xmlns:a16="http://schemas.microsoft.com/office/drawing/2014/main" id="{31C401CE-170F-B6E0-55A0-53EE56B1AB1C}"/>
+              </a:ext>
+            </a:extLst>
+          </p:cNvPr>
+          <p:cNvSpPr/>
+          <p:nvPr/>
+        </p:nvSpPr>
+        <p:spPr>
+          <a:xfrm rot="10800000">
+            <a:off x="5334000" y="3744956"/>
+            <a:ext cx="1752599" cy="268611"/>
+          </a:xfrm>
+          <a:prstGeom prst="rightArrow">
+            <a:avLst/>
+          </a:prstGeom>
+        </p:spPr>
+        <p:style>
+          <a:lnRef idx="2">
+            <a:schemeClr val="accent1">
+              <a:shade val="15000"/>
+            </a:schemeClr>
+          </a:lnRef>
+          <a:fillRef idx="1">
+            <a:schemeClr val="accent1"/>
+          </a:fillRef>
+          <a:effectRef idx="0">
+            <a:schemeClr val="accent1"/>
+          </a:effectRef>
+          <a:fontRef idx="minor">
+            <a:schemeClr val="lt1"/>
+          </a:fontRef>
+        </p:style>
+        <p:txBody>
+          <a:bodyPr rtlCol="0" anchor="ctr"/>
+          <a:lstStyle/>
+          <a:p>
+            <a:pPr algn="ctr"/>
+            <a:endParaRPr kumimoji="1" lang="ja-JP" altLang="en-US"/>
+          </a:p>
+        </p:txBody>
+      </p:sp>
+    </p:spTree>
+    <p:extLst>
+      <p:ext uri="{BB962C8B-B14F-4D97-AF65-F5344CB8AC3E}">
+        <p14:creationId xmlns:p14="http://schemas.microsoft.com/office/powerpoint/2010/main" val="4149142073"/>
+      </p:ext>
+    </p:extLst>
+  </p:cSld>
+  <p:clrMapOvr>
+    <a:masterClrMapping/>
+  </p:clrMapOvr>
+</p:sld>
+</file>
+
+<file path=ppt/slides/slide4.xml><?xml version="1.0" encoding="utf-8"?>
+<p:sld xmlns:a="http://schemas.openxmlformats.org/drawingml/2006/main" xmlns:r="http://schemas.openxmlformats.org/officeDocument/2006/relationships" xmlns:p="http://schemas.openxmlformats.org/presentationml/2006/main">
+  <p:cSld>
+    <p:spTree>
+      <p:nvGrpSpPr>
+        <p:cNvPr id="1" name=""/>
+        <p:cNvGrpSpPr/>
+        <p:nvPr/>
+      </p:nvGrpSpPr>
+      <p:grpSpPr>
+        <a:xfrm>
+          <a:off x="0" y="0"/>
+          <a:ext cx="0" cy="0"/>
+          <a:chOff x="0" y="0"/>
+          <a:chExt cx="0" cy="0"/>
+        </a:xfrm>
+      </p:grpSpPr>
       <p:sp>
         <p:nvSpPr>
           <p:cNvPr id="8" name="テキスト ボックス 7">
@@ -4645,7 +5330,7 @@
 </p:sld>
 </file>
 
-<file path=ppt/slides/slide4.xml><?xml version="1.0" encoding="utf-8"?>
+<file path=ppt/slides/slide5.xml><?xml version="1.0" encoding="utf-8"?>
 <p:sld xmlns:a="http://schemas.openxmlformats.org/drawingml/2006/main" xmlns:r="http://schemas.openxmlformats.org/officeDocument/2006/relationships" xmlns:p="http://schemas.openxmlformats.org/presentationml/2006/main">
   <p:cSld>
     <p:spTree>
@@ -5009,7 +5694,7 @@
 </p:sld>
 </file>
 
-<file path=ppt/slides/slide5.xml><?xml version="1.0" encoding="utf-8"?>
+<file path=ppt/slides/slide6.xml><?xml version="1.0" encoding="utf-8"?>
 <p:sld xmlns:a="http://schemas.openxmlformats.org/drawingml/2006/main" xmlns:r="http://schemas.openxmlformats.org/officeDocument/2006/relationships" xmlns:p="http://schemas.openxmlformats.org/presentationml/2006/main">
   <p:cSld>
     <p:spTree>
@@ -6510,250 +7195,6 @@
 </p:sld>
 </file>
 
-<file path=ppt/slides/slide6.xml><?xml version="1.0" encoding="utf-8"?>
-<p:sld xmlns:a="http://schemas.openxmlformats.org/drawingml/2006/main" xmlns:r="http://schemas.openxmlformats.org/officeDocument/2006/relationships" xmlns:p="http://schemas.openxmlformats.org/presentationml/2006/main">
-  <p:cSld>
-    <p:spTree>
-      <p:nvGrpSpPr>
-        <p:cNvPr id="1" name=""/>
-        <p:cNvGrpSpPr/>
-        <p:nvPr/>
-      </p:nvGrpSpPr>
-      <p:grpSpPr>
-        <a:xfrm>
-          <a:off x="0" y="0"/>
-          <a:ext cx="0" cy="0"/>
-          <a:chOff x="0" y="0"/>
-          <a:chExt cx="0" cy="0"/>
-        </a:xfrm>
-      </p:grpSpPr>
-      <p:sp>
-        <p:nvSpPr>
-          <p:cNvPr id="2" name="タイトル 1">
-            <a:extLst>
-              <a:ext uri="{FF2B5EF4-FFF2-40B4-BE49-F238E27FC236}">
-                <a16:creationId xmlns:a16="http://schemas.microsoft.com/office/drawing/2014/main" id="{A57BB6C3-C93A-3A4E-F53E-02B3BC787599}"/>
-              </a:ext>
-            </a:extLst>
-          </p:cNvPr>
-          <p:cNvSpPr>
-            <a:spLocks noGrp="1"/>
-          </p:cNvSpPr>
-          <p:nvPr>
-            <p:ph type="title"/>
-          </p:nvPr>
-        </p:nvSpPr>
-        <p:spPr>
-          <a:xfrm>
-            <a:off x="838200" y="365126"/>
-            <a:ext cx="10515600" cy="966718"/>
-          </a:xfrm>
-        </p:spPr>
-        <p:txBody>
-          <a:bodyPr/>
-          <a:lstStyle/>
-          <a:p>
-            <a:r>
-              <a:rPr kumimoji="1" lang="ja-JP" altLang="en-US" dirty="0"/>
-              <a:t>参考資料</a:t>
-            </a:r>
-          </a:p>
-        </p:txBody>
-      </p:sp>
-      <p:sp>
-        <p:nvSpPr>
-          <p:cNvPr id="3" name="コンテンツ プレースホルダー 2">
-            <a:extLst>
-              <a:ext uri="{FF2B5EF4-FFF2-40B4-BE49-F238E27FC236}">
-                <a16:creationId xmlns:a16="http://schemas.microsoft.com/office/drawing/2014/main" id="{339A6126-6E76-914F-3ADB-6CC1FC1C8677}"/>
-              </a:ext>
-            </a:extLst>
-          </p:cNvPr>
-          <p:cNvSpPr>
-            <a:spLocks noGrp="1"/>
-          </p:cNvSpPr>
-          <p:nvPr>
-            <p:ph idx="1"/>
-          </p:nvPr>
-        </p:nvSpPr>
-        <p:spPr>
-          <a:xfrm>
-            <a:off x="838200" y="1053548"/>
-            <a:ext cx="10515600" cy="5123415"/>
-          </a:xfrm>
-        </p:spPr>
-        <p:txBody>
-          <a:bodyPr/>
-          <a:lstStyle/>
-          <a:p>
-            <a:r>
-              <a:rPr lang="en-US" altLang="ja-JP" dirty="0"/>
-              <a:t>[PostgreSQL</a:t>
-            </a:r>
-            <a:r>
-              <a:rPr lang="ja-JP" altLang="en-US" dirty="0"/>
-              <a:t>のインストール</a:t>
-            </a:r>
-            <a:r>
-              <a:rPr lang="en-US" altLang="ja-JP" dirty="0"/>
-              <a:t>](</a:t>
-            </a:r>
-            <a:r>
-              <a:rPr lang="en-US" altLang="ja-JP" dirty="0">
-                <a:hlinkClick r:id="rId2"/>
-              </a:rPr>
-              <a:t>PostgreSQL </a:t>
-            </a:r>
-            <a:r>
-              <a:rPr lang="ja-JP" altLang="en-US" dirty="0">
-                <a:hlinkClick r:id="rId2"/>
-              </a:rPr>
-              <a:t>を </a:t>
-            </a:r>
-            <a:r>
-              <a:rPr lang="en-US" altLang="ja-JP" dirty="0">
-                <a:hlinkClick r:id="rId2"/>
-              </a:rPr>
-              <a:t>Windows </a:t>
-            </a:r>
-            <a:r>
-              <a:rPr lang="ja-JP" altLang="en-US" dirty="0">
-                <a:hlinkClick r:id="rId2"/>
-              </a:rPr>
-              <a:t>にインストールするには </a:t>
-            </a:r>
-            <a:r>
-              <a:rPr lang="en-US" altLang="ja-JP" dirty="0">
-                <a:hlinkClick r:id="rId2"/>
-              </a:rPr>
-              <a:t>#Windows – </a:t>
-            </a:r>
-            <a:r>
-              <a:rPr lang="en-US" altLang="ja-JP" dirty="0" err="1">
-                <a:hlinkClick r:id="rId2"/>
-              </a:rPr>
-              <a:t>Qiita</a:t>
-            </a:r>
-            <a:r>
-              <a:rPr lang="en-US" altLang="ja-JP" dirty="0"/>
-              <a:t>)</a:t>
-            </a:r>
-          </a:p>
-          <a:p>
-            <a:r>
-              <a:rPr lang="en-US" altLang="ja-JP" dirty="0"/>
-              <a:t>[MySQL</a:t>
-            </a:r>
-            <a:r>
-              <a:rPr lang="ja-JP" altLang="en-US" dirty="0"/>
-              <a:t>のインストール</a:t>
-            </a:r>
-            <a:r>
-              <a:rPr lang="en-US" altLang="ja-JP" dirty="0"/>
-              <a:t>](</a:t>
-            </a:r>
-            <a:r>
-              <a:rPr lang="en-US" altLang="ja-JP" dirty="0">
-                <a:hlinkClick r:id="rId3"/>
-              </a:rPr>
-              <a:t>Ubuntu 20.04</a:t>
-            </a:r>
-            <a:r>
-              <a:rPr lang="ja-JP" altLang="en-US" dirty="0">
-                <a:hlinkClick r:id="rId3"/>
-              </a:rPr>
-              <a:t>に</a:t>
-            </a:r>
-            <a:r>
-              <a:rPr lang="en-US" altLang="ja-JP" dirty="0">
-                <a:hlinkClick r:id="rId3"/>
-              </a:rPr>
-              <a:t>MySQL</a:t>
-            </a:r>
-            <a:r>
-              <a:rPr lang="ja-JP" altLang="en-US" dirty="0">
-                <a:hlinkClick r:id="rId3"/>
-              </a:rPr>
-              <a:t>をインストールする方法 </a:t>
-            </a:r>
-            <a:r>
-              <a:rPr lang="en-US" altLang="ja-JP" dirty="0">
-                <a:hlinkClick r:id="rId3"/>
-              </a:rPr>
-              <a:t>| </a:t>
-            </a:r>
-            <a:r>
-              <a:rPr lang="en-US" altLang="ja-JP" dirty="0" err="1">
-                <a:hlinkClick r:id="rId3"/>
-              </a:rPr>
-              <a:t>DigitalOcean</a:t>
-            </a:r>
-            <a:r>
-              <a:rPr lang="en-US" altLang="ja-JP" dirty="0"/>
-              <a:t>)</a:t>
-            </a:r>
-          </a:p>
-          <a:p>
-            <a:r>
-              <a:rPr lang="en-US" altLang="ja-JP" dirty="0"/>
-              <a:t>[.env</a:t>
-            </a:r>
-            <a:r>
-              <a:rPr lang="ja-JP" altLang="en-US" dirty="0"/>
-              <a:t>の追跡除外</a:t>
-            </a:r>
-            <a:r>
-              <a:rPr lang="en-US" altLang="ja-JP" dirty="0"/>
-              <a:t>](</a:t>
-            </a:r>
-            <a:r>
-              <a:rPr lang="en-US" altLang="ja-JP" dirty="0">
-                <a:hlinkClick r:id="rId4"/>
-              </a:rPr>
-              <a:t>Git</a:t>
-            </a:r>
-            <a:r>
-              <a:rPr lang="ja-JP" altLang="en-US" dirty="0">
-                <a:hlinkClick r:id="rId4"/>
-              </a:rPr>
-              <a:t>で既にコミットしたファイルをバージョン管理から外す方法 </a:t>
-            </a:r>
-            <a:r>
-              <a:rPr lang="en-US" altLang="ja-JP" dirty="0">
-                <a:hlinkClick r:id="rId4"/>
-              </a:rPr>
-              <a:t>#Git – </a:t>
-            </a:r>
-            <a:r>
-              <a:rPr lang="en-US" altLang="ja-JP" dirty="0" err="1">
-                <a:hlinkClick r:id="rId4"/>
-              </a:rPr>
-              <a:t>Qiita</a:t>
-            </a:r>
-            <a:r>
-              <a:rPr lang="en-US" altLang="ja-JP"/>
-              <a:t>)</a:t>
-            </a:r>
-            <a:endParaRPr lang="en-US" altLang="ja-JP" dirty="0"/>
-          </a:p>
-          <a:p>
-            <a:endParaRPr kumimoji="1" lang="ja-JP" altLang="en-US" dirty="0"/>
-          </a:p>
-        </p:txBody>
-      </p:sp>
-    </p:spTree>
-    <p:extLst>
-      <p:ext uri="{BB962C8B-B14F-4D97-AF65-F5344CB8AC3E}">
-        <p14:creationId xmlns:p14="http://schemas.microsoft.com/office/powerpoint/2010/main" val="1835299972"/>
-      </p:ext>
-    </p:extLst>
-  </p:cSld>
-  <p:clrMapOvr>
-    <a:masterClrMapping/>
-  </p:clrMapOvr>
-</p:sld>
-</file>
-
 <file path=ppt/slides/slide7.xml><?xml version="1.0" encoding="utf-8"?>
 <p:sld xmlns:a="http://schemas.openxmlformats.org/drawingml/2006/main" xmlns:r="http://schemas.openxmlformats.org/officeDocument/2006/relationships" xmlns:p="http://schemas.openxmlformats.org/presentationml/2006/main">
   <p:cSld>
@@ -6776,7 +7217,7 @@
           <p:cNvPr id="2" name="タイトル 1">
             <a:extLst>
               <a:ext uri="{FF2B5EF4-FFF2-40B4-BE49-F238E27FC236}">
-                <a16:creationId xmlns:a16="http://schemas.microsoft.com/office/drawing/2014/main" id="{B0A5AF18-DF74-1C44-DD5B-A4A6ED1CDE22}"/>
+                <a16:creationId xmlns:a16="http://schemas.microsoft.com/office/drawing/2014/main" id="{A57BB6C3-C93A-3A4E-F53E-02B3BC787599}"/>
               </a:ext>
             </a:extLst>
           </p:cNvPr>
@@ -6787,12 +7228,20 @@
             <p:ph type="title"/>
           </p:nvPr>
         </p:nvSpPr>
-        <p:spPr/>
+        <p:spPr>
+          <a:xfrm>
+            <a:off x="838200" y="365126"/>
+            <a:ext cx="10515600" cy="966718"/>
+          </a:xfrm>
+        </p:spPr>
         <p:txBody>
           <a:bodyPr/>
           <a:lstStyle/>
           <a:p>
-            <a:endParaRPr kumimoji="1" lang="ja-JP" altLang="en-US"/>
+            <a:r>
+              <a:rPr kumimoji="1" lang="ja-JP" altLang="en-US" dirty="0"/>
+              <a:t>参考資料</a:t>
+            </a:r>
           </a:p>
         </p:txBody>
       </p:sp>
@@ -6801,7 +7250,7 @@
           <p:cNvPr id="3" name="コンテンツ プレースホルダー 2">
             <a:extLst>
               <a:ext uri="{FF2B5EF4-FFF2-40B4-BE49-F238E27FC236}">
-                <a16:creationId xmlns:a16="http://schemas.microsoft.com/office/drawing/2014/main" id="{AB8DED95-6A25-C4EF-421C-4645F71F587A}"/>
+                <a16:creationId xmlns:a16="http://schemas.microsoft.com/office/drawing/2014/main" id="{339A6126-6E76-914F-3ADB-6CC1FC1C8677}"/>
               </a:ext>
             </a:extLst>
           </p:cNvPr>
@@ -6812,6 +7261,242 @@
             <p:ph idx="1"/>
           </p:nvPr>
         </p:nvSpPr>
+        <p:spPr>
+          <a:xfrm>
+            <a:off x="838200" y="1053548"/>
+            <a:ext cx="10515600" cy="5123415"/>
+          </a:xfrm>
+        </p:spPr>
+        <p:txBody>
+          <a:bodyPr/>
+          <a:lstStyle/>
+          <a:p>
+            <a:r>
+              <a:rPr lang="en-US" altLang="ja-JP" dirty="0"/>
+              <a:t>[PostgreSQL</a:t>
+            </a:r>
+            <a:r>
+              <a:rPr lang="ja-JP" altLang="en-US" dirty="0"/>
+              <a:t>のインストール</a:t>
+            </a:r>
+            <a:r>
+              <a:rPr lang="en-US" altLang="ja-JP" dirty="0"/>
+              <a:t>](</a:t>
+            </a:r>
+            <a:r>
+              <a:rPr lang="en-US" altLang="ja-JP" dirty="0">
+                <a:hlinkClick r:id="rId2"/>
+              </a:rPr>
+              <a:t>PostgreSQL </a:t>
+            </a:r>
+            <a:r>
+              <a:rPr lang="ja-JP" altLang="en-US" dirty="0">
+                <a:hlinkClick r:id="rId2"/>
+              </a:rPr>
+              <a:t>を </a:t>
+            </a:r>
+            <a:r>
+              <a:rPr lang="en-US" altLang="ja-JP" dirty="0">
+                <a:hlinkClick r:id="rId2"/>
+              </a:rPr>
+              <a:t>Windows </a:t>
+            </a:r>
+            <a:r>
+              <a:rPr lang="ja-JP" altLang="en-US" dirty="0">
+                <a:hlinkClick r:id="rId2"/>
+              </a:rPr>
+              <a:t>にインストールするには </a:t>
+            </a:r>
+            <a:r>
+              <a:rPr lang="en-US" altLang="ja-JP" dirty="0">
+                <a:hlinkClick r:id="rId2"/>
+              </a:rPr>
+              <a:t>#Windows – </a:t>
+            </a:r>
+            <a:r>
+              <a:rPr lang="en-US" altLang="ja-JP" dirty="0" err="1">
+                <a:hlinkClick r:id="rId2"/>
+              </a:rPr>
+              <a:t>Qiita</a:t>
+            </a:r>
+            <a:r>
+              <a:rPr lang="en-US" altLang="ja-JP" dirty="0"/>
+              <a:t>)</a:t>
+            </a:r>
+          </a:p>
+          <a:p>
+            <a:r>
+              <a:rPr lang="en-US" altLang="ja-JP" dirty="0"/>
+              <a:t>[MySQL</a:t>
+            </a:r>
+            <a:r>
+              <a:rPr lang="ja-JP" altLang="en-US" dirty="0"/>
+              <a:t>のインストール</a:t>
+            </a:r>
+            <a:r>
+              <a:rPr lang="en-US" altLang="ja-JP" dirty="0"/>
+              <a:t>](</a:t>
+            </a:r>
+            <a:r>
+              <a:rPr lang="en-US" altLang="ja-JP" dirty="0">
+                <a:hlinkClick r:id="rId3"/>
+              </a:rPr>
+              <a:t>Ubuntu 20.04</a:t>
+            </a:r>
+            <a:r>
+              <a:rPr lang="ja-JP" altLang="en-US" dirty="0">
+                <a:hlinkClick r:id="rId3"/>
+              </a:rPr>
+              <a:t>に</a:t>
+            </a:r>
+            <a:r>
+              <a:rPr lang="en-US" altLang="ja-JP" dirty="0">
+                <a:hlinkClick r:id="rId3"/>
+              </a:rPr>
+              <a:t>MySQL</a:t>
+            </a:r>
+            <a:r>
+              <a:rPr lang="ja-JP" altLang="en-US" dirty="0">
+                <a:hlinkClick r:id="rId3"/>
+              </a:rPr>
+              <a:t>をインストールする方法 </a:t>
+            </a:r>
+            <a:r>
+              <a:rPr lang="en-US" altLang="ja-JP" dirty="0">
+                <a:hlinkClick r:id="rId3"/>
+              </a:rPr>
+              <a:t>| </a:t>
+            </a:r>
+            <a:r>
+              <a:rPr lang="en-US" altLang="ja-JP" dirty="0" err="1">
+                <a:hlinkClick r:id="rId3"/>
+              </a:rPr>
+              <a:t>DigitalOcean</a:t>
+            </a:r>
+            <a:r>
+              <a:rPr lang="en-US" altLang="ja-JP" dirty="0"/>
+              <a:t>)</a:t>
+            </a:r>
+          </a:p>
+          <a:p>
+            <a:r>
+              <a:rPr lang="en-US" altLang="ja-JP" dirty="0"/>
+              <a:t>[.env</a:t>
+            </a:r>
+            <a:r>
+              <a:rPr lang="ja-JP" altLang="en-US" dirty="0"/>
+              <a:t>の追跡除外</a:t>
+            </a:r>
+            <a:r>
+              <a:rPr lang="en-US" altLang="ja-JP" dirty="0"/>
+              <a:t>](</a:t>
+            </a:r>
+            <a:r>
+              <a:rPr lang="en-US" altLang="ja-JP" dirty="0">
+                <a:hlinkClick r:id="rId4"/>
+              </a:rPr>
+              <a:t>Git</a:t>
+            </a:r>
+            <a:r>
+              <a:rPr lang="ja-JP" altLang="en-US" dirty="0">
+                <a:hlinkClick r:id="rId4"/>
+              </a:rPr>
+              <a:t>で既にコミットしたファイルをバージョン管理から外す方法 </a:t>
+            </a:r>
+            <a:r>
+              <a:rPr lang="en-US" altLang="ja-JP" dirty="0">
+                <a:hlinkClick r:id="rId4"/>
+              </a:rPr>
+              <a:t>#Git – </a:t>
+            </a:r>
+            <a:r>
+              <a:rPr lang="en-US" altLang="ja-JP" dirty="0" err="1">
+                <a:hlinkClick r:id="rId4"/>
+              </a:rPr>
+              <a:t>Qiita</a:t>
+            </a:r>
+            <a:r>
+              <a:rPr lang="en-US" altLang="ja-JP"/>
+              <a:t>)</a:t>
+            </a:r>
+            <a:endParaRPr lang="en-US" altLang="ja-JP" dirty="0"/>
+          </a:p>
+          <a:p>
+            <a:endParaRPr kumimoji="1" lang="ja-JP" altLang="en-US" dirty="0"/>
+          </a:p>
+        </p:txBody>
+      </p:sp>
+    </p:spTree>
+    <p:extLst>
+      <p:ext uri="{BB962C8B-B14F-4D97-AF65-F5344CB8AC3E}">
+        <p14:creationId xmlns:p14="http://schemas.microsoft.com/office/powerpoint/2010/main" val="1835299972"/>
+      </p:ext>
+    </p:extLst>
+  </p:cSld>
+  <p:clrMapOvr>
+    <a:masterClrMapping/>
+  </p:clrMapOvr>
+</p:sld>
+</file>
+
+<file path=ppt/slides/slide8.xml><?xml version="1.0" encoding="utf-8"?>
+<p:sld xmlns:a="http://schemas.openxmlformats.org/drawingml/2006/main" xmlns:r="http://schemas.openxmlformats.org/officeDocument/2006/relationships" xmlns:p="http://schemas.openxmlformats.org/presentationml/2006/main">
+  <p:cSld>
+    <p:spTree>
+      <p:nvGrpSpPr>
+        <p:cNvPr id="1" name=""/>
+        <p:cNvGrpSpPr/>
+        <p:nvPr/>
+      </p:nvGrpSpPr>
+      <p:grpSpPr>
+        <a:xfrm>
+          <a:off x="0" y="0"/>
+          <a:ext cx="0" cy="0"/>
+          <a:chOff x="0" y="0"/>
+          <a:chExt cx="0" cy="0"/>
+        </a:xfrm>
+      </p:grpSpPr>
+      <p:sp>
+        <p:nvSpPr>
+          <p:cNvPr id="2" name="タイトル 1">
+            <a:extLst>
+              <a:ext uri="{FF2B5EF4-FFF2-40B4-BE49-F238E27FC236}">
+                <a16:creationId xmlns:a16="http://schemas.microsoft.com/office/drawing/2014/main" id="{B0A5AF18-DF74-1C44-DD5B-A4A6ED1CDE22}"/>
+              </a:ext>
+            </a:extLst>
+          </p:cNvPr>
+          <p:cNvSpPr>
+            <a:spLocks noGrp="1"/>
+          </p:cNvSpPr>
+          <p:nvPr>
+            <p:ph type="title"/>
+          </p:nvPr>
+        </p:nvSpPr>
+        <p:spPr/>
+        <p:txBody>
+          <a:bodyPr/>
+          <a:lstStyle/>
+          <a:p>
+            <a:endParaRPr kumimoji="1" lang="ja-JP" altLang="en-US"/>
+          </a:p>
+        </p:txBody>
+      </p:sp>
+      <p:sp>
+        <p:nvSpPr>
+          <p:cNvPr id="3" name="コンテンツ プレースホルダー 2">
+            <a:extLst>
+              <a:ext uri="{FF2B5EF4-FFF2-40B4-BE49-F238E27FC236}">
+                <a16:creationId xmlns:a16="http://schemas.microsoft.com/office/drawing/2014/main" id="{AB8DED95-6A25-C4EF-421C-4645F71F587A}"/>
+              </a:ext>
+            </a:extLst>
+          </p:cNvPr>
+          <p:cNvSpPr>
+            <a:spLocks noGrp="1"/>
+          </p:cNvSpPr>
+          <p:nvPr>
+            <p:ph idx="1"/>
+          </p:nvPr>
+        </p:nvSpPr>
         <p:spPr/>
         <p:txBody>
           <a:bodyPr/>
@@ -6907,7 +7592,7 @@
               <a:t>⇨</a:t>
             </a:r>
             <a:r>
-              <a:rPr kumimoji="1" lang="en-US" altLang="ja-JP"/>
+              <a:rPr kumimoji="1" lang="en-US" altLang="ja-JP" dirty="0" err="1"/>
               <a:t>mysql</a:t>
             </a:r>
             <a:endParaRPr kumimoji="1" lang="en-US" altLang="ja-JP" dirty="0"/>
@@ -6918,6 +7603,211 @@
     <p:extLst>
       <p:ext uri="{BB962C8B-B14F-4D97-AF65-F5344CB8AC3E}">
         <p14:creationId xmlns:p14="http://schemas.microsoft.com/office/powerpoint/2010/main" val="1894474831"/>
+      </p:ext>
+    </p:extLst>
+  </p:cSld>
+  <p:clrMapOvr>
+    <a:masterClrMapping/>
+  </p:clrMapOvr>
+</p:sld>
+</file>
+
+<file path=ppt/slides/slide9.xml><?xml version="1.0" encoding="utf-8"?>
+<p:sld xmlns:a="http://schemas.openxmlformats.org/drawingml/2006/main" xmlns:r="http://schemas.openxmlformats.org/officeDocument/2006/relationships" xmlns:p="http://schemas.openxmlformats.org/presentationml/2006/main">
+  <p:cSld>
+    <p:spTree>
+      <p:nvGrpSpPr>
+        <p:cNvPr id="1" name=""/>
+        <p:cNvGrpSpPr/>
+        <p:nvPr/>
+      </p:nvGrpSpPr>
+      <p:grpSpPr>
+        <a:xfrm>
+          <a:off x="0" y="0"/>
+          <a:ext cx="0" cy="0"/>
+          <a:chOff x="0" y="0"/>
+          <a:chExt cx="0" cy="0"/>
+        </a:xfrm>
+      </p:grpSpPr>
+      <p:sp>
+        <p:nvSpPr>
+          <p:cNvPr id="2" name="タイトル 1">
+            <a:extLst>
+              <a:ext uri="{FF2B5EF4-FFF2-40B4-BE49-F238E27FC236}">
+                <a16:creationId xmlns:a16="http://schemas.microsoft.com/office/drawing/2014/main" id="{648B9AFE-BAB5-B8DC-E8E6-290C90B96FEE}"/>
+              </a:ext>
+            </a:extLst>
+          </p:cNvPr>
+          <p:cNvSpPr>
+            <a:spLocks noGrp="1"/>
+          </p:cNvSpPr>
+          <p:nvPr>
+            <p:ph type="title"/>
+          </p:nvPr>
+        </p:nvSpPr>
+        <p:spPr/>
+        <p:txBody>
+          <a:bodyPr/>
+          <a:lstStyle/>
+          <a:p>
+            <a:r>
+              <a:rPr lang="en-US" altLang="ja-JP" dirty="0"/>
+              <a:t>ER</a:t>
+            </a:r>
+            <a:r>
+              <a:rPr lang="ja-JP" altLang="en-US" dirty="0"/>
+              <a:t>図</a:t>
+            </a:r>
+            <a:endParaRPr kumimoji="1" lang="ja-JP" altLang="en-US" dirty="0"/>
+          </a:p>
+        </p:txBody>
+      </p:sp>
+      <p:pic>
+        <p:nvPicPr>
+          <p:cNvPr id="5" name="図 4">
+            <a:extLst>
+              <a:ext uri="{FF2B5EF4-FFF2-40B4-BE49-F238E27FC236}">
+                <a16:creationId xmlns:a16="http://schemas.microsoft.com/office/drawing/2014/main" id="{AE4DA0B5-B379-8F22-D57B-88A694BDBD38}"/>
+              </a:ext>
+            </a:extLst>
+          </p:cNvPr>
+          <p:cNvPicPr>
+            <a:picLocks noChangeAspect="1"/>
+          </p:cNvPicPr>
+          <p:nvPr/>
+        </p:nvPicPr>
+        <p:blipFill>
+          <a:blip r:embed="rId2"/>
+          <a:stretch>
+            <a:fillRect/>
+          </a:stretch>
+        </p:blipFill>
+        <p:spPr>
+          <a:xfrm>
+            <a:off x="2943173" y="1690688"/>
+            <a:ext cx="6850821" cy="4285264"/>
+          </a:xfrm>
+          <a:prstGeom prst="rect">
+            <a:avLst/>
+          </a:prstGeom>
+        </p:spPr>
+      </p:pic>
+      <p:cxnSp>
+        <p:nvCxnSpPr>
+          <p:cNvPr id="7" name="直線コネクタ 6">
+            <a:extLst>
+              <a:ext uri="{FF2B5EF4-FFF2-40B4-BE49-F238E27FC236}">
+                <a16:creationId xmlns:a16="http://schemas.microsoft.com/office/drawing/2014/main" id="{ACD73BA1-B962-A12E-747B-A3CB9E686AB2}"/>
+              </a:ext>
+            </a:extLst>
+          </p:cNvPr>
+          <p:cNvCxnSpPr>
+            <a:cxnSpLocks/>
+          </p:cNvCxnSpPr>
+          <p:nvPr/>
+        </p:nvCxnSpPr>
+        <p:spPr>
+          <a:xfrm>
+            <a:off x="6323744" y="3092521"/>
+            <a:ext cx="933870" cy="0"/>
+          </a:xfrm>
+          <a:prstGeom prst="line">
+            <a:avLst/>
+          </a:prstGeom>
+        </p:spPr>
+        <p:style>
+          <a:lnRef idx="2">
+            <a:schemeClr val="dk1"/>
+          </a:lnRef>
+          <a:fillRef idx="0">
+            <a:schemeClr val="dk1"/>
+          </a:fillRef>
+          <a:effectRef idx="1">
+            <a:schemeClr val="dk1"/>
+          </a:effectRef>
+          <a:fontRef idx="minor">
+            <a:schemeClr val="tx1"/>
+          </a:fontRef>
+        </p:style>
+      </p:cxnSp>
+      <p:cxnSp>
+        <p:nvCxnSpPr>
+          <p:cNvPr id="10" name="直線コネクタ 9">
+            <a:extLst>
+              <a:ext uri="{FF2B5EF4-FFF2-40B4-BE49-F238E27FC236}">
+                <a16:creationId xmlns:a16="http://schemas.microsoft.com/office/drawing/2014/main" id="{90B57794-E51F-F4BC-AA50-5FE33EA2723C}"/>
+              </a:ext>
+            </a:extLst>
+          </p:cNvPr>
+          <p:cNvCxnSpPr/>
+          <p:nvPr/>
+        </p:nvCxnSpPr>
+        <p:spPr>
+          <a:xfrm flipV="1">
+            <a:off x="7142441" y="2989564"/>
+            <a:ext cx="115173" cy="102957"/>
+          </a:xfrm>
+          <a:prstGeom prst="line">
+            <a:avLst/>
+          </a:prstGeom>
+        </p:spPr>
+        <p:style>
+          <a:lnRef idx="2">
+            <a:schemeClr val="dk1"/>
+          </a:lnRef>
+          <a:fillRef idx="0">
+            <a:schemeClr val="dk1"/>
+          </a:fillRef>
+          <a:effectRef idx="1">
+            <a:schemeClr val="dk1"/>
+          </a:effectRef>
+          <a:fontRef idx="minor">
+            <a:schemeClr val="tx1"/>
+          </a:fontRef>
+        </p:style>
+      </p:cxnSp>
+      <p:cxnSp>
+        <p:nvCxnSpPr>
+          <p:cNvPr id="11" name="直線コネクタ 10">
+            <a:extLst>
+              <a:ext uri="{FF2B5EF4-FFF2-40B4-BE49-F238E27FC236}">
+                <a16:creationId xmlns:a16="http://schemas.microsoft.com/office/drawing/2014/main" id="{E58DB696-48CD-2B4E-76D5-FF4E97794B1D}"/>
+              </a:ext>
+            </a:extLst>
+          </p:cNvPr>
+          <p:cNvCxnSpPr>
+            <a:cxnSpLocks/>
+          </p:cNvCxnSpPr>
+          <p:nvPr/>
+        </p:nvCxnSpPr>
+        <p:spPr>
+          <a:xfrm>
+            <a:off x="7142441" y="3096906"/>
+            <a:ext cx="115173" cy="98572"/>
+          </a:xfrm>
+          <a:prstGeom prst="line">
+            <a:avLst/>
+          </a:prstGeom>
+        </p:spPr>
+        <p:style>
+          <a:lnRef idx="2">
+            <a:schemeClr val="dk1"/>
+          </a:lnRef>
+          <a:fillRef idx="0">
+            <a:schemeClr val="dk1"/>
+          </a:fillRef>
+          <a:effectRef idx="1">
+            <a:schemeClr val="dk1"/>
+          </a:effectRef>
+          <a:fontRef idx="minor">
+            <a:schemeClr val="tx1"/>
+          </a:fontRef>
+        </p:style>
+      </p:cxnSp>
+    </p:spTree>
+    <p:extLst>
+      <p:ext uri="{BB962C8B-B14F-4D97-AF65-F5344CB8AC3E}">
+        <p14:creationId xmlns:p14="http://schemas.microsoft.com/office/powerpoint/2010/main" val="636080565"/>
       </p:ext>
     </p:extLst>
   </p:cSld>
